--- a/ppt 16-9/0174.弥赛亚之歌.pptx
+++ b/ppt 16-9/0174.弥赛亚之歌.pptx
@@ -129,7 +129,7 @@
           <p:cNvPr id="2" name="标题 1">
             <a:extLst>
               <a:ext uri="{FF2B5EF4-FFF2-40B4-BE49-F238E27FC236}">
-                <a16:creationId xmlns:a16="http://schemas.microsoft.com/office/drawing/2014/main" id="{2BA9441C-F1BC-B189-4CCC-7C033C71D2F5}"/>
+                <a16:creationId xmlns:a16="http://schemas.microsoft.com/office/drawing/2014/main" id="{A8267885-2986-2473-3E28-3FA9AAC1D299}"/>
               </a:ext>
             </a:extLst>
           </p:cNvPr>
@@ -166,7 +166,7 @@
           <p:cNvPr id="3" name="副标题 2">
             <a:extLst>
               <a:ext uri="{FF2B5EF4-FFF2-40B4-BE49-F238E27FC236}">
-                <a16:creationId xmlns:a16="http://schemas.microsoft.com/office/drawing/2014/main" id="{78F62798-21B2-3ECE-8264-12E96E38AA74}"/>
+                <a16:creationId xmlns:a16="http://schemas.microsoft.com/office/drawing/2014/main" id="{70D292A7-F746-AF3F-AF78-A13363FF3E91}"/>
               </a:ext>
             </a:extLst>
           </p:cNvPr>
@@ -236,7 +236,7 @@
           <p:cNvPr id="4" name="日期占位符 3">
             <a:extLst>
               <a:ext uri="{FF2B5EF4-FFF2-40B4-BE49-F238E27FC236}">
-                <a16:creationId xmlns:a16="http://schemas.microsoft.com/office/drawing/2014/main" id="{7AF72B9E-8F31-43A2-1ADB-EA9688D92D9F}"/>
+                <a16:creationId xmlns:a16="http://schemas.microsoft.com/office/drawing/2014/main" id="{4A2EE3DB-0E27-4EA2-2D1F-1BBA0B10DCD0}"/>
               </a:ext>
             </a:extLst>
           </p:cNvPr>
@@ -252,7 +252,7 @@
           <a:bodyPr/>
           <a:lstStyle/>
           <a:p>
-            <a:fld id="{75698AA1-35F2-4075-8783-1D7E4B6FD5FB}" type="datetimeFigureOut">
+            <a:fld id="{CA4D113B-4BA5-4A5A-8129-23349B9685FF}" type="datetimeFigureOut">
               <a:rPr lang="zh-CN" altLang="en-US" smtClean="0"/>
               <a:t>2024/3/10</a:t>
             </a:fld>
@@ -265,7 +265,7 @@
           <p:cNvPr id="5" name="页脚占位符 4">
             <a:extLst>
               <a:ext uri="{FF2B5EF4-FFF2-40B4-BE49-F238E27FC236}">
-                <a16:creationId xmlns:a16="http://schemas.microsoft.com/office/drawing/2014/main" id="{FD46EB48-12F0-B59E-D72C-F6CAC16A1323}"/>
+                <a16:creationId xmlns:a16="http://schemas.microsoft.com/office/drawing/2014/main" id="{B45F787E-2A41-5051-D75F-2F8365049363}"/>
               </a:ext>
             </a:extLst>
           </p:cNvPr>
@@ -290,7 +290,7 @@
           <p:cNvPr id="6" name="灯片编号占位符 5">
             <a:extLst>
               <a:ext uri="{FF2B5EF4-FFF2-40B4-BE49-F238E27FC236}">
-                <a16:creationId xmlns:a16="http://schemas.microsoft.com/office/drawing/2014/main" id="{34679512-2913-85C1-C49A-488B5D191FFE}"/>
+                <a16:creationId xmlns:a16="http://schemas.microsoft.com/office/drawing/2014/main" id="{F9282BC1-C0E0-9759-EAAD-8315E7184C55}"/>
               </a:ext>
             </a:extLst>
           </p:cNvPr>
@@ -306,7 +306,7 @@
           <a:bodyPr/>
           <a:lstStyle/>
           <a:p>
-            <a:fld id="{CC0D6A8B-6F44-4B65-AE19-177B8B29C847}" type="slidenum">
+            <a:fld id="{45B3A8C7-7482-48DB-ABC2-FE93F3645FCF}" type="slidenum">
               <a:rPr lang="zh-CN" altLang="en-US" smtClean="0"/>
               <a:t>‹#›</a:t>
             </a:fld>
@@ -317,7 +317,7 @@
     </p:spTree>
     <p:extLst>
       <p:ext uri="{BB962C8B-B14F-4D97-AF65-F5344CB8AC3E}">
-        <p14:creationId xmlns:p14="http://schemas.microsoft.com/office/powerpoint/2010/main" val="2712566197"/>
+        <p14:creationId xmlns:p14="http://schemas.microsoft.com/office/powerpoint/2010/main" val="293662307"/>
       </p:ext>
     </p:extLst>
   </p:cSld>
@@ -349,7 +349,7 @@
           <p:cNvPr id="2" name="标题 1">
             <a:extLst>
               <a:ext uri="{FF2B5EF4-FFF2-40B4-BE49-F238E27FC236}">
-                <a16:creationId xmlns:a16="http://schemas.microsoft.com/office/drawing/2014/main" id="{0F32B008-A332-4740-6BF9-6F80B2F43816}"/>
+                <a16:creationId xmlns:a16="http://schemas.microsoft.com/office/drawing/2014/main" id="{FE69C246-6990-A519-52B6-442BCC685763}"/>
               </a:ext>
             </a:extLst>
           </p:cNvPr>
@@ -377,7 +377,7 @@
           <p:cNvPr id="3" name="竖排文字占位符 2">
             <a:extLst>
               <a:ext uri="{FF2B5EF4-FFF2-40B4-BE49-F238E27FC236}">
-                <a16:creationId xmlns:a16="http://schemas.microsoft.com/office/drawing/2014/main" id="{009AB53C-061A-A13C-177A-13BAD2FE0B31}"/>
+                <a16:creationId xmlns:a16="http://schemas.microsoft.com/office/drawing/2014/main" id="{B8A70CDD-D230-EC00-EBA4-4C22CBEB71B5}"/>
               </a:ext>
             </a:extLst>
           </p:cNvPr>
@@ -434,7 +434,7 @@
           <p:cNvPr id="4" name="日期占位符 3">
             <a:extLst>
               <a:ext uri="{FF2B5EF4-FFF2-40B4-BE49-F238E27FC236}">
-                <a16:creationId xmlns:a16="http://schemas.microsoft.com/office/drawing/2014/main" id="{49488214-9A3D-98CD-2865-D3F5F60F5062}"/>
+                <a16:creationId xmlns:a16="http://schemas.microsoft.com/office/drawing/2014/main" id="{EBD23C79-23C9-FD6B-904E-7E9AB7E2AE5B}"/>
               </a:ext>
             </a:extLst>
           </p:cNvPr>
@@ -450,7 +450,7 @@
           <a:bodyPr/>
           <a:lstStyle/>
           <a:p>
-            <a:fld id="{75698AA1-35F2-4075-8783-1D7E4B6FD5FB}" type="datetimeFigureOut">
+            <a:fld id="{CA4D113B-4BA5-4A5A-8129-23349B9685FF}" type="datetimeFigureOut">
               <a:rPr lang="zh-CN" altLang="en-US" smtClean="0"/>
               <a:t>2024/3/10</a:t>
             </a:fld>
@@ -463,7 +463,7 @@
           <p:cNvPr id="5" name="页脚占位符 4">
             <a:extLst>
               <a:ext uri="{FF2B5EF4-FFF2-40B4-BE49-F238E27FC236}">
-                <a16:creationId xmlns:a16="http://schemas.microsoft.com/office/drawing/2014/main" id="{AFD6BF46-C655-D127-9045-9358357D5DE2}"/>
+                <a16:creationId xmlns:a16="http://schemas.microsoft.com/office/drawing/2014/main" id="{DD01AAD5-2505-FC67-9CB6-EF550E2DC0CD}"/>
               </a:ext>
             </a:extLst>
           </p:cNvPr>
@@ -488,7 +488,7 @@
           <p:cNvPr id="6" name="灯片编号占位符 5">
             <a:extLst>
               <a:ext uri="{FF2B5EF4-FFF2-40B4-BE49-F238E27FC236}">
-                <a16:creationId xmlns:a16="http://schemas.microsoft.com/office/drawing/2014/main" id="{A6239998-BF4E-4800-4145-481592F4A389}"/>
+                <a16:creationId xmlns:a16="http://schemas.microsoft.com/office/drawing/2014/main" id="{F0DF688F-810C-FC73-A250-DE12B4C162A8}"/>
               </a:ext>
             </a:extLst>
           </p:cNvPr>
@@ -504,7 +504,7 @@
           <a:bodyPr/>
           <a:lstStyle/>
           <a:p>
-            <a:fld id="{CC0D6A8B-6F44-4B65-AE19-177B8B29C847}" type="slidenum">
+            <a:fld id="{45B3A8C7-7482-48DB-ABC2-FE93F3645FCF}" type="slidenum">
               <a:rPr lang="zh-CN" altLang="en-US" smtClean="0"/>
               <a:t>‹#›</a:t>
             </a:fld>
@@ -515,7 +515,7 @@
     </p:spTree>
     <p:extLst>
       <p:ext uri="{BB962C8B-B14F-4D97-AF65-F5344CB8AC3E}">
-        <p14:creationId xmlns:p14="http://schemas.microsoft.com/office/powerpoint/2010/main" val="2280122250"/>
+        <p14:creationId xmlns:p14="http://schemas.microsoft.com/office/powerpoint/2010/main" val="1214008019"/>
       </p:ext>
     </p:extLst>
   </p:cSld>
@@ -547,7 +547,7 @@
           <p:cNvPr id="2" name="竖排标题 1">
             <a:extLst>
               <a:ext uri="{FF2B5EF4-FFF2-40B4-BE49-F238E27FC236}">
-                <a16:creationId xmlns:a16="http://schemas.microsoft.com/office/drawing/2014/main" id="{2922FDA3-BFF8-86D4-C79C-B4A4C4F43791}"/>
+                <a16:creationId xmlns:a16="http://schemas.microsoft.com/office/drawing/2014/main" id="{C3F5D312-210B-F722-C236-559FDE0CD400}"/>
               </a:ext>
             </a:extLst>
           </p:cNvPr>
@@ -580,7 +580,7 @@
           <p:cNvPr id="3" name="竖排文字占位符 2">
             <a:extLst>
               <a:ext uri="{FF2B5EF4-FFF2-40B4-BE49-F238E27FC236}">
-                <a16:creationId xmlns:a16="http://schemas.microsoft.com/office/drawing/2014/main" id="{E031AE96-F266-1410-26FA-652910E369F8}"/>
+                <a16:creationId xmlns:a16="http://schemas.microsoft.com/office/drawing/2014/main" id="{A0D03A4A-56CF-0602-3622-6471CEA1BF69}"/>
               </a:ext>
             </a:extLst>
           </p:cNvPr>
@@ -642,7 +642,7 @@
           <p:cNvPr id="4" name="日期占位符 3">
             <a:extLst>
               <a:ext uri="{FF2B5EF4-FFF2-40B4-BE49-F238E27FC236}">
-                <a16:creationId xmlns:a16="http://schemas.microsoft.com/office/drawing/2014/main" id="{1BB99C49-92B3-293C-46BE-86D02E6708E8}"/>
+                <a16:creationId xmlns:a16="http://schemas.microsoft.com/office/drawing/2014/main" id="{492A6960-7BC5-903A-3DAE-BD4F10592B31}"/>
               </a:ext>
             </a:extLst>
           </p:cNvPr>
@@ -658,7 +658,7 @@
           <a:bodyPr/>
           <a:lstStyle/>
           <a:p>
-            <a:fld id="{75698AA1-35F2-4075-8783-1D7E4B6FD5FB}" type="datetimeFigureOut">
+            <a:fld id="{CA4D113B-4BA5-4A5A-8129-23349B9685FF}" type="datetimeFigureOut">
               <a:rPr lang="zh-CN" altLang="en-US" smtClean="0"/>
               <a:t>2024/3/10</a:t>
             </a:fld>
@@ -671,7 +671,7 @@
           <p:cNvPr id="5" name="页脚占位符 4">
             <a:extLst>
               <a:ext uri="{FF2B5EF4-FFF2-40B4-BE49-F238E27FC236}">
-                <a16:creationId xmlns:a16="http://schemas.microsoft.com/office/drawing/2014/main" id="{D14A1A80-5812-1EDF-0EB0-D5B6210AFBFE}"/>
+                <a16:creationId xmlns:a16="http://schemas.microsoft.com/office/drawing/2014/main" id="{4DEA7F35-4348-8A0E-57DE-BC1C4E1DDFE4}"/>
               </a:ext>
             </a:extLst>
           </p:cNvPr>
@@ -696,7 +696,7 @@
           <p:cNvPr id="6" name="灯片编号占位符 5">
             <a:extLst>
               <a:ext uri="{FF2B5EF4-FFF2-40B4-BE49-F238E27FC236}">
-                <a16:creationId xmlns:a16="http://schemas.microsoft.com/office/drawing/2014/main" id="{5AA1A57B-B413-0FE1-5855-9EF630B3F9E1}"/>
+                <a16:creationId xmlns:a16="http://schemas.microsoft.com/office/drawing/2014/main" id="{F56E3C90-19DA-279A-D9D8-E175008D1389}"/>
               </a:ext>
             </a:extLst>
           </p:cNvPr>
@@ -712,7 +712,7 @@
           <a:bodyPr/>
           <a:lstStyle/>
           <a:p>
-            <a:fld id="{CC0D6A8B-6F44-4B65-AE19-177B8B29C847}" type="slidenum">
+            <a:fld id="{45B3A8C7-7482-48DB-ABC2-FE93F3645FCF}" type="slidenum">
               <a:rPr lang="zh-CN" altLang="en-US" smtClean="0"/>
               <a:t>‹#›</a:t>
             </a:fld>
@@ -723,7 +723,7 @@
     </p:spTree>
     <p:extLst>
       <p:ext uri="{BB962C8B-B14F-4D97-AF65-F5344CB8AC3E}">
-        <p14:creationId xmlns:p14="http://schemas.microsoft.com/office/powerpoint/2010/main" val="2406928591"/>
+        <p14:creationId xmlns:p14="http://schemas.microsoft.com/office/powerpoint/2010/main" val="1692319695"/>
       </p:ext>
     </p:extLst>
   </p:cSld>
@@ -755,7 +755,7 @@
           <p:cNvPr id="2" name="标题 1">
             <a:extLst>
               <a:ext uri="{FF2B5EF4-FFF2-40B4-BE49-F238E27FC236}">
-                <a16:creationId xmlns:a16="http://schemas.microsoft.com/office/drawing/2014/main" id="{FA5A02F3-3E19-E739-B496-DD9D920368AE}"/>
+                <a16:creationId xmlns:a16="http://schemas.microsoft.com/office/drawing/2014/main" id="{122BF458-7ED8-2ADD-28AB-4CF36B3A98D9}"/>
               </a:ext>
             </a:extLst>
           </p:cNvPr>
@@ -783,7 +783,7 @@
           <p:cNvPr id="3" name="内容占位符 2">
             <a:extLst>
               <a:ext uri="{FF2B5EF4-FFF2-40B4-BE49-F238E27FC236}">
-                <a16:creationId xmlns:a16="http://schemas.microsoft.com/office/drawing/2014/main" id="{1B8F9E68-79CA-89DA-DDDD-84AE0C3A6F02}"/>
+                <a16:creationId xmlns:a16="http://schemas.microsoft.com/office/drawing/2014/main" id="{E035278E-354F-F8ED-3403-DEC36AEED166}"/>
               </a:ext>
             </a:extLst>
           </p:cNvPr>
@@ -840,7 +840,7 @@
           <p:cNvPr id="4" name="日期占位符 3">
             <a:extLst>
               <a:ext uri="{FF2B5EF4-FFF2-40B4-BE49-F238E27FC236}">
-                <a16:creationId xmlns:a16="http://schemas.microsoft.com/office/drawing/2014/main" id="{C4A0EB4D-FCA1-D39A-683E-33D791DA9B2D}"/>
+                <a16:creationId xmlns:a16="http://schemas.microsoft.com/office/drawing/2014/main" id="{7EC0807F-D42B-8B67-FDAD-5D5A8AB97536}"/>
               </a:ext>
             </a:extLst>
           </p:cNvPr>
@@ -856,7 +856,7 @@
           <a:bodyPr/>
           <a:lstStyle/>
           <a:p>
-            <a:fld id="{75698AA1-35F2-4075-8783-1D7E4B6FD5FB}" type="datetimeFigureOut">
+            <a:fld id="{CA4D113B-4BA5-4A5A-8129-23349B9685FF}" type="datetimeFigureOut">
               <a:rPr lang="zh-CN" altLang="en-US" smtClean="0"/>
               <a:t>2024/3/10</a:t>
             </a:fld>
@@ -869,7 +869,7 @@
           <p:cNvPr id="5" name="页脚占位符 4">
             <a:extLst>
               <a:ext uri="{FF2B5EF4-FFF2-40B4-BE49-F238E27FC236}">
-                <a16:creationId xmlns:a16="http://schemas.microsoft.com/office/drawing/2014/main" id="{8948E5EC-490B-4C0D-84C8-7F8FF9DD0BDC}"/>
+                <a16:creationId xmlns:a16="http://schemas.microsoft.com/office/drawing/2014/main" id="{061A2CF8-8C72-0EE4-8E8A-22FCC380D6C9}"/>
               </a:ext>
             </a:extLst>
           </p:cNvPr>
@@ -894,7 +894,7 @@
           <p:cNvPr id="6" name="灯片编号占位符 5">
             <a:extLst>
               <a:ext uri="{FF2B5EF4-FFF2-40B4-BE49-F238E27FC236}">
-                <a16:creationId xmlns:a16="http://schemas.microsoft.com/office/drawing/2014/main" id="{DBD4B24A-F23F-0665-1FE9-848973E33CEB}"/>
+                <a16:creationId xmlns:a16="http://schemas.microsoft.com/office/drawing/2014/main" id="{6C07727C-9F99-E330-D533-5A0CA9170DD1}"/>
               </a:ext>
             </a:extLst>
           </p:cNvPr>
@@ -910,7 +910,7 @@
           <a:bodyPr/>
           <a:lstStyle/>
           <a:p>
-            <a:fld id="{CC0D6A8B-6F44-4B65-AE19-177B8B29C847}" type="slidenum">
+            <a:fld id="{45B3A8C7-7482-48DB-ABC2-FE93F3645FCF}" type="slidenum">
               <a:rPr lang="zh-CN" altLang="en-US" smtClean="0"/>
               <a:t>‹#›</a:t>
             </a:fld>
@@ -921,7 +921,7 @@
     </p:spTree>
     <p:extLst>
       <p:ext uri="{BB962C8B-B14F-4D97-AF65-F5344CB8AC3E}">
-        <p14:creationId xmlns:p14="http://schemas.microsoft.com/office/powerpoint/2010/main" val="907348298"/>
+        <p14:creationId xmlns:p14="http://schemas.microsoft.com/office/powerpoint/2010/main" val="3113214918"/>
       </p:ext>
     </p:extLst>
   </p:cSld>
@@ -953,7 +953,7 @@
           <p:cNvPr id="2" name="标题 1">
             <a:extLst>
               <a:ext uri="{FF2B5EF4-FFF2-40B4-BE49-F238E27FC236}">
-                <a16:creationId xmlns:a16="http://schemas.microsoft.com/office/drawing/2014/main" id="{13756B35-D627-4583-3FA6-0A5CE83AC2B6}"/>
+                <a16:creationId xmlns:a16="http://schemas.microsoft.com/office/drawing/2014/main" id="{585CFB24-CE7E-6B44-F0A7-0CE6AFF5FEF2}"/>
               </a:ext>
             </a:extLst>
           </p:cNvPr>
@@ -990,7 +990,7 @@
           <p:cNvPr id="3" name="文本占位符 2">
             <a:extLst>
               <a:ext uri="{FF2B5EF4-FFF2-40B4-BE49-F238E27FC236}">
-                <a16:creationId xmlns:a16="http://schemas.microsoft.com/office/drawing/2014/main" id="{A3A7F788-5249-AF2B-0F16-7B4457A03360}"/>
+                <a16:creationId xmlns:a16="http://schemas.microsoft.com/office/drawing/2014/main" id="{ECF89922-690F-AD58-72C3-EB350E347802}"/>
               </a:ext>
             </a:extLst>
           </p:cNvPr>
@@ -1115,7 +1115,7 @@
           <p:cNvPr id="4" name="日期占位符 3">
             <a:extLst>
               <a:ext uri="{FF2B5EF4-FFF2-40B4-BE49-F238E27FC236}">
-                <a16:creationId xmlns:a16="http://schemas.microsoft.com/office/drawing/2014/main" id="{BA1C9FE1-6E76-D0E9-BBB2-F140ED3749B8}"/>
+                <a16:creationId xmlns:a16="http://schemas.microsoft.com/office/drawing/2014/main" id="{64DBA257-AD84-5019-6674-8926461CB425}"/>
               </a:ext>
             </a:extLst>
           </p:cNvPr>
@@ -1131,7 +1131,7 @@
           <a:bodyPr/>
           <a:lstStyle/>
           <a:p>
-            <a:fld id="{75698AA1-35F2-4075-8783-1D7E4B6FD5FB}" type="datetimeFigureOut">
+            <a:fld id="{CA4D113B-4BA5-4A5A-8129-23349B9685FF}" type="datetimeFigureOut">
               <a:rPr lang="zh-CN" altLang="en-US" smtClean="0"/>
               <a:t>2024/3/10</a:t>
             </a:fld>
@@ -1144,7 +1144,7 @@
           <p:cNvPr id="5" name="页脚占位符 4">
             <a:extLst>
               <a:ext uri="{FF2B5EF4-FFF2-40B4-BE49-F238E27FC236}">
-                <a16:creationId xmlns:a16="http://schemas.microsoft.com/office/drawing/2014/main" id="{13928C9C-2706-62CB-F9C9-AB85AA79D2ED}"/>
+                <a16:creationId xmlns:a16="http://schemas.microsoft.com/office/drawing/2014/main" id="{A1BA9111-2720-D3B7-7EC9-62BF9CB7449C}"/>
               </a:ext>
             </a:extLst>
           </p:cNvPr>
@@ -1169,7 +1169,7 @@
           <p:cNvPr id="6" name="灯片编号占位符 5">
             <a:extLst>
               <a:ext uri="{FF2B5EF4-FFF2-40B4-BE49-F238E27FC236}">
-                <a16:creationId xmlns:a16="http://schemas.microsoft.com/office/drawing/2014/main" id="{B30812F2-3E53-3E14-6E55-B240A0A23657}"/>
+                <a16:creationId xmlns:a16="http://schemas.microsoft.com/office/drawing/2014/main" id="{1635D953-BC2B-9D96-0B91-291128267177}"/>
               </a:ext>
             </a:extLst>
           </p:cNvPr>
@@ -1185,7 +1185,7 @@
           <a:bodyPr/>
           <a:lstStyle/>
           <a:p>
-            <a:fld id="{CC0D6A8B-6F44-4B65-AE19-177B8B29C847}" type="slidenum">
+            <a:fld id="{45B3A8C7-7482-48DB-ABC2-FE93F3645FCF}" type="slidenum">
               <a:rPr lang="zh-CN" altLang="en-US" smtClean="0"/>
               <a:t>‹#›</a:t>
             </a:fld>
@@ -1196,7 +1196,7 @@
     </p:spTree>
     <p:extLst>
       <p:ext uri="{BB962C8B-B14F-4D97-AF65-F5344CB8AC3E}">
-        <p14:creationId xmlns:p14="http://schemas.microsoft.com/office/powerpoint/2010/main" val="1492410808"/>
+        <p14:creationId xmlns:p14="http://schemas.microsoft.com/office/powerpoint/2010/main" val="1008614692"/>
       </p:ext>
     </p:extLst>
   </p:cSld>
@@ -1228,7 +1228,7 @@
           <p:cNvPr id="2" name="标题 1">
             <a:extLst>
               <a:ext uri="{FF2B5EF4-FFF2-40B4-BE49-F238E27FC236}">
-                <a16:creationId xmlns:a16="http://schemas.microsoft.com/office/drawing/2014/main" id="{5301328A-46B0-C40D-8372-7503BF4CC02C}"/>
+                <a16:creationId xmlns:a16="http://schemas.microsoft.com/office/drawing/2014/main" id="{3ECCF061-C1F0-32A4-4DD2-2F24BC2D2E2E}"/>
               </a:ext>
             </a:extLst>
           </p:cNvPr>
@@ -1256,7 +1256,7 @@
           <p:cNvPr id="3" name="内容占位符 2">
             <a:extLst>
               <a:ext uri="{FF2B5EF4-FFF2-40B4-BE49-F238E27FC236}">
-                <a16:creationId xmlns:a16="http://schemas.microsoft.com/office/drawing/2014/main" id="{0B45AF4B-7159-ACDA-338D-ECB557C8EED7}"/>
+                <a16:creationId xmlns:a16="http://schemas.microsoft.com/office/drawing/2014/main" id="{77F1DB0A-A6E6-6927-57CD-7B21B3CF214C}"/>
               </a:ext>
             </a:extLst>
           </p:cNvPr>
@@ -1318,7 +1318,7 @@
           <p:cNvPr id="4" name="内容占位符 3">
             <a:extLst>
               <a:ext uri="{FF2B5EF4-FFF2-40B4-BE49-F238E27FC236}">
-                <a16:creationId xmlns:a16="http://schemas.microsoft.com/office/drawing/2014/main" id="{674AD9FC-8064-A75B-B226-114DDF8A1015}"/>
+                <a16:creationId xmlns:a16="http://schemas.microsoft.com/office/drawing/2014/main" id="{CEB26468-14A9-9555-B35C-307AA036859D}"/>
               </a:ext>
             </a:extLst>
           </p:cNvPr>
@@ -1380,7 +1380,7 @@
           <p:cNvPr id="5" name="日期占位符 4">
             <a:extLst>
               <a:ext uri="{FF2B5EF4-FFF2-40B4-BE49-F238E27FC236}">
-                <a16:creationId xmlns:a16="http://schemas.microsoft.com/office/drawing/2014/main" id="{AFB0F009-B9CF-E68A-7AE1-0FD7816F8F37}"/>
+                <a16:creationId xmlns:a16="http://schemas.microsoft.com/office/drawing/2014/main" id="{23DEAE26-30A2-15C1-014C-1D78F86903FE}"/>
               </a:ext>
             </a:extLst>
           </p:cNvPr>
@@ -1396,7 +1396,7 @@
           <a:bodyPr/>
           <a:lstStyle/>
           <a:p>
-            <a:fld id="{75698AA1-35F2-4075-8783-1D7E4B6FD5FB}" type="datetimeFigureOut">
+            <a:fld id="{CA4D113B-4BA5-4A5A-8129-23349B9685FF}" type="datetimeFigureOut">
               <a:rPr lang="zh-CN" altLang="en-US" smtClean="0"/>
               <a:t>2024/3/10</a:t>
             </a:fld>
@@ -1409,7 +1409,7 @@
           <p:cNvPr id="6" name="页脚占位符 5">
             <a:extLst>
               <a:ext uri="{FF2B5EF4-FFF2-40B4-BE49-F238E27FC236}">
-                <a16:creationId xmlns:a16="http://schemas.microsoft.com/office/drawing/2014/main" id="{BD3D6D4F-84A8-67F1-1CC7-0AD22B2FF767}"/>
+                <a16:creationId xmlns:a16="http://schemas.microsoft.com/office/drawing/2014/main" id="{FAAF6D92-0719-B2F0-7E77-F73313A60F10}"/>
               </a:ext>
             </a:extLst>
           </p:cNvPr>
@@ -1434,7 +1434,7 @@
           <p:cNvPr id="7" name="灯片编号占位符 6">
             <a:extLst>
               <a:ext uri="{FF2B5EF4-FFF2-40B4-BE49-F238E27FC236}">
-                <a16:creationId xmlns:a16="http://schemas.microsoft.com/office/drawing/2014/main" id="{0372C035-15D0-9B5C-7A36-BD21F1A08113}"/>
+                <a16:creationId xmlns:a16="http://schemas.microsoft.com/office/drawing/2014/main" id="{9B18F837-9ADB-296A-C542-D37B1215B005}"/>
               </a:ext>
             </a:extLst>
           </p:cNvPr>
@@ -1450,7 +1450,7 @@
           <a:bodyPr/>
           <a:lstStyle/>
           <a:p>
-            <a:fld id="{CC0D6A8B-6F44-4B65-AE19-177B8B29C847}" type="slidenum">
+            <a:fld id="{45B3A8C7-7482-48DB-ABC2-FE93F3645FCF}" type="slidenum">
               <a:rPr lang="zh-CN" altLang="en-US" smtClean="0"/>
               <a:t>‹#›</a:t>
             </a:fld>
@@ -1461,7 +1461,7 @@
     </p:spTree>
     <p:extLst>
       <p:ext uri="{BB962C8B-B14F-4D97-AF65-F5344CB8AC3E}">
-        <p14:creationId xmlns:p14="http://schemas.microsoft.com/office/powerpoint/2010/main" val="1730357601"/>
+        <p14:creationId xmlns:p14="http://schemas.microsoft.com/office/powerpoint/2010/main" val="109005422"/>
       </p:ext>
     </p:extLst>
   </p:cSld>
@@ -1493,7 +1493,7 @@
           <p:cNvPr id="2" name="标题 1">
             <a:extLst>
               <a:ext uri="{FF2B5EF4-FFF2-40B4-BE49-F238E27FC236}">
-                <a16:creationId xmlns:a16="http://schemas.microsoft.com/office/drawing/2014/main" id="{890746A6-72F4-6781-C9E2-279532E675E0}"/>
+                <a16:creationId xmlns:a16="http://schemas.microsoft.com/office/drawing/2014/main" id="{01319179-9207-9086-C430-EB8653F19570}"/>
               </a:ext>
             </a:extLst>
           </p:cNvPr>
@@ -1526,7 +1526,7 @@
           <p:cNvPr id="3" name="文本占位符 2">
             <a:extLst>
               <a:ext uri="{FF2B5EF4-FFF2-40B4-BE49-F238E27FC236}">
-                <a16:creationId xmlns:a16="http://schemas.microsoft.com/office/drawing/2014/main" id="{CFFCB7FF-C624-98AF-1B41-46FC0386CD92}"/>
+                <a16:creationId xmlns:a16="http://schemas.microsoft.com/office/drawing/2014/main" id="{BC5734AD-6C4B-DB59-37EB-74D2CB8050AC}"/>
               </a:ext>
             </a:extLst>
           </p:cNvPr>
@@ -1597,7 +1597,7 @@
           <p:cNvPr id="4" name="内容占位符 3">
             <a:extLst>
               <a:ext uri="{FF2B5EF4-FFF2-40B4-BE49-F238E27FC236}">
-                <a16:creationId xmlns:a16="http://schemas.microsoft.com/office/drawing/2014/main" id="{BB715656-533C-CF03-B1D0-0A97B38AA292}"/>
+                <a16:creationId xmlns:a16="http://schemas.microsoft.com/office/drawing/2014/main" id="{A2A4188C-0893-28BB-AD25-8DA4E6BCEF1A}"/>
               </a:ext>
             </a:extLst>
           </p:cNvPr>
@@ -1659,7 +1659,7 @@
           <p:cNvPr id="5" name="文本占位符 4">
             <a:extLst>
               <a:ext uri="{FF2B5EF4-FFF2-40B4-BE49-F238E27FC236}">
-                <a16:creationId xmlns:a16="http://schemas.microsoft.com/office/drawing/2014/main" id="{9D2745D0-9350-6223-9BEC-E5FD73EEFDB7}"/>
+                <a16:creationId xmlns:a16="http://schemas.microsoft.com/office/drawing/2014/main" id="{98177794-A885-6EFE-4401-22DC966E181C}"/>
               </a:ext>
             </a:extLst>
           </p:cNvPr>
@@ -1730,7 +1730,7 @@
           <p:cNvPr id="6" name="内容占位符 5">
             <a:extLst>
               <a:ext uri="{FF2B5EF4-FFF2-40B4-BE49-F238E27FC236}">
-                <a16:creationId xmlns:a16="http://schemas.microsoft.com/office/drawing/2014/main" id="{EE66B664-76D8-5C76-BCF7-BBBCE2C0ED51}"/>
+                <a16:creationId xmlns:a16="http://schemas.microsoft.com/office/drawing/2014/main" id="{AD7F01C5-3073-98B5-DF11-1968EC9362EA}"/>
               </a:ext>
             </a:extLst>
           </p:cNvPr>
@@ -1792,7 +1792,7 @@
           <p:cNvPr id="7" name="日期占位符 6">
             <a:extLst>
               <a:ext uri="{FF2B5EF4-FFF2-40B4-BE49-F238E27FC236}">
-                <a16:creationId xmlns:a16="http://schemas.microsoft.com/office/drawing/2014/main" id="{3EC27599-DE47-97C9-ED98-EFAF10CE6EA6}"/>
+                <a16:creationId xmlns:a16="http://schemas.microsoft.com/office/drawing/2014/main" id="{05E07C77-2DE0-A1DE-035D-C0D880971CF6}"/>
               </a:ext>
             </a:extLst>
           </p:cNvPr>
@@ -1808,7 +1808,7 @@
           <a:bodyPr/>
           <a:lstStyle/>
           <a:p>
-            <a:fld id="{75698AA1-35F2-4075-8783-1D7E4B6FD5FB}" type="datetimeFigureOut">
+            <a:fld id="{CA4D113B-4BA5-4A5A-8129-23349B9685FF}" type="datetimeFigureOut">
               <a:rPr lang="zh-CN" altLang="en-US" smtClean="0"/>
               <a:t>2024/3/10</a:t>
             </a:fld>
@@ -1821,7 +1821,7 @@
           <p:cNvPr id="8" name="页脚占位符 7">
             <a:extLst>
               <a:ext uri="{FF2B5EF4-FFF2-40B4-BE49-F238E27FC236}">
-                <a16:creationId xmlns:a16="http://schemas.microsoft.com/office/drawing/2014/main" id="{0F11DF46-B5F3-B483-3DEC-EBCB2C6022F7}"/>
+                <a16:creationId xmlns:a16="http://schemas.microsoft.com/office/drawing/2014/main" id="{3DE71298-4E4B-06D8-1E58-BF0E7EEB961D}"/>
               </a:ext>
             </a:extLst>
           </p:cNvPr>
@@ -1846,7 +1846,7 @@
           <p:cNvPr id="9" name="灯片编号占位符 8">
             <a:extLst>
               <a:ext uri="{FF2B5EF4-FFF2-40B4-BE49-F238E27FC236}">
-                <a16:creationId xmlns:a16="http://schemas.microsoft.com/office/drawing/2014/main" id="{E4627216-2FE6-0070-6DDD-90EF82482326}"/>
+                <a16:creationId xmlns:a16="http://schemas.microsoft.com/office/drawing/2014/main" id="{2904FD03-A106-5268-0303-23E53DBF5B6F}"/>
               </a:ext>
             </a:extLst>
           </p:cNvPr>
@@ -1862,7 +1862,7 @@
           <a:bodyPr/>
           <a:lstStyle/>
           <a:p>
-            <a:fld id="{CC0D6A8B-6F44-4B65-AE19-177B8B29C847}" type="slidenum">
+            <a:fld id="{45B3A8C7-7482-48DB-ABC2-FE93F3645FCF}" type="slidenum">
               <a:rPr lang="zh-CN" altLang="en-US" smtClean="0"/>
               <a:t>‹#›</a:t>
             </a:fld>
@@ -1873,7 +1873,7 @@
     </p:spTree>
     <p:extLst>
       <p:ext uri="{BB962C8B-B14F-4D97-AF65-F5344CB8AC3E}">
-        <p14:creationId xmlns:p14="http://schemas.microsoft.com/office/powerpoint/2010/main" val="3488508644"/>
+        <p14:creationId xmlns:p14="http://schemas.microsoft.com/office/powerpoint/2010/main" val="1769985309"/>
       </p:ext>
     </p:extLst>
   </p:cSld>
@@ -1905,7 +1905,7 @@
           <p:cNvPr id="2" name="标题 1">
             <a:extLst>
               <a:ext uri="{FF2B5EF4-FFF2-40B4-BE49-F238E27FC236}">
-                <a16:creationId xmlns:a16="http://schemas.microsoft.com/office/drawing/2014/main" id="{E492CCBE-08B4-535C-5D6B-8344336D36BA}"/>
+                <a16:creationId xmlns:a16="http://schemas.microsoft.com/office/drawing/2014/main" id="{31F3859B-9829-F53F-0B92-AEE4BB0324AB}"/>
               </a:ext>
             </a:extLst>
           </p:cNvPr>
@@ -1933,7 +1933,7 @@
           <p:cNvPr id="3" name="日期占位符 2">
             <a:extLst>
               <a:ext uri="{FF2B5EF4-FFF2-40B4-BE49-F238E27FC236}">
-                <a16:creationId xmlns:a16="http://schemas.microsoft.com/office/drawing/2014/main" id="{3CD5866D-232A-95E6-A0D8-95697C18F329}"/>
+                <a16:creationId xmlns:a16="http://schemas.microsoft.com/office/drawing/2014/main" id="{60686318-1D28-F30E-EFAB-C26CB16AE380}"/>
               </a:ext>
             </a:extLst>
           </p:cNvPr>
@@ -1949,7 +1949,7 @@
           <a:bodyPr/>
           <a:lstStyle/>
           <a:p>
-            <a:fld id="{75698AA1-35F2-4075-8783-1D7E4B6FD5FB}" type="datetimeFigureOut">
+            <a:fld id="{CA4D113B-4BA5-4A5A-8129-23349B9685FF}" type="datetimeFigureOut">
               <a:rPr lang="zh-CN" altLang="en-US" smtClean="0"/>
               <a:t>2024/3/10</a:t>
             </a:fld>
@@ -1962,7 +1962,7 @@
           <p:cNvPr id="4" name="页脚占位符 3">
             <a:extLst>
               <a:ext uri="{FF2B5EF4-FFF2-40B4-BE49-F238E27FC236}">
-                <a16:creationId xmlns:a16="http://schemas.microsoft.com/office/drawing/2014/main" id="{639D377D-01F2-4539-77DA-A3925CE860F7}"/>
+                <a16:creationId xmlns:a16="http://schemas.microsoft.com/office/drawing/2014/main" id="{DB874711-C4DF-389E-93C5-25BBCE9762AA}"/>
               </a:ext>
             </a:extLst>
           </p:cNvPr>
@@ -1987,7 +1987,7 @@
           <p:cNvPr id="5" name="灯片编号占位符 4">
             <a:extLst>
               <a:ext uri="{FF2B5EF4-FFF2-40B4-BE49-F238E27FC236}">
-                <a16:creationId xmlns:a16="http://schemas.microsoft.com/office/drawing/2014/main" id="{C60C45D4-3A0F-D518-87D5-8DBB4657558B}"/>
+                <a16:creationId xmlns:a16="http://schemas.microsoft.com/office/drawing/2014/main" id="{AAD24E88-EA95-7B02-D8B7-D138287BAC7A}"/>
               </a:ext>
             </a:extLst>
           </p:cNvPr>
@@ -2003,7 +2003,7 @@
           <a:bodyPr/>
           <a:lstStyle/>
           <a:p>
-            <a:fld id="{CC0D6A8B-6F44-4B65-AE19-177B8B29C847}" type="slidenum">
+            <a:fld id="{45B3A8C7-7482-48DB-ABC2-FE93F3645FCF}" type="slidenum">
               <a:rPr lang="zh-CN" altLang="en-US" smtClean="0"/>
               <a:t>‹#›</a:t>
             </a:fld>
@@ -2014,7 +2014,7 @@
     </p:spTree>
     <p:extLst>
       <p:ext uri="{BB962C8B-B14F-4D97-AF65-F5344CB8AC3E}">
-        <p14:creationId xmlns:p14="http://schemas.microsoft.com/office/powerpoint/2010/main" val="801744919"/>
+        <p14:creationId xmlns:p14="http://schemas.microsoft.com/office/powerpoint/2010/main" val="412378358"/>
       </p:ext>
     </p:extLst>
   </p:cSld>
@@ -2046,7 +2046,7 @@
           <p:cNvPr id="2" name="日期占位符 1">
             <a:extLst>
               <a:ext uri="{FF2B5EF4-FFF2-40B4-BE49-F238E27FC236}">
-                <a16:creationId xmlns:a16="http://schemas.microsoft.com/office/drawing/2014/main" id="{F67CE508-2FB2-0340-EACB-F499828F81CA}"/>
+                <a16:creationId xmlns:a16="http://schemas.microsoft.com/office/drawing/2014/main" id="{58C37074-6BB1-253B-1767-2F3228FCC35D}"/>
               </a:ext>
             </a:extLst>
           </p:cNvPr>
@@ -2062,7 +2062,7 @@
           <a:bodyPr/>
           <a:lstStyle/>
           <a:p>
-            <a:fld id="{75698AA1-35F2-4075-8783-1D7E4B6FD5FB}" type="datetimeFigureOut">
+            <a:fld id="{CA4D113B-4BA5-4A5A-8129-23349B9685FF}" type="datetimeFigureOut">
               <a:rPr lang="zh-CN" altLang="en-US" smtClean="0"/>
               <a:t>2024/3/10</a:t>
             </a:fld>
@@ -2075,7 +2075,7 @@
           <p:cNvPr id="3" name="页脚占位符 2">
             <a:extLst>
               <a:ext uri="{FF2B5EF4-FFF2-40B4-BE49-F238E27FC236}">
-                <a16:creationId xmlns:a16="http://schemas.microsoft.com/office/drawing/2014/main" id="{7D1FD3D2-E03E-A8C2-DFC4-21F1FC277E4A}"/>
+                <a16:creationId xmlns:a16="http://schemas.microsoft.com/office/drawing/2014/main" id="{6EEC38D4-C2DA-7A25-25D2-2D984D1DCA72}"/>
               </a:ext>
             </a:extLst>
           </p:cNvPr>
@@ -2100,7 +2100,7 @@
           <p:cNvPr id="4" name="灯片编号占位符 3">
             <a:extLst>
               <a:ext uri="{FF2B5EF4-FFF2-40B4-BE49-F238E27FC236}">
-                <a16:creationId xmlns:a16="http://schemas.microsoft.com/office/drawing/2014/main" id="{C88A4BD5-CB8B-DCAB-5064-F02BD003E846}"/>
+                <a16:creationId xmlns:a16="http://schemas.microsoft.com/office/drawing/2014/main" id="{A9AFAECD-08C1-33E0-8B45-8A78F9B02184}"/>
               </a:ext>
             </a:extLst>
           </p:cNvPr>
@@ -2116,7 +2116,7 @@
           <a:bodyPr/>
           <a:lstStyle/>
           <a:p>
-            <a:fld id="{CC0D6A8B-6F44-4B65-AE19-177B8B29C847}" type="slidenum">
+            <a:fld id="{45B3A8C7-7482-48DB-ABC2-FE93F3645FCF}" type="slidenum">
               <a:rPr lang="zh-CN" altLang="en-US" smtClean="0"/>
               <a:t>‹#›</a:t>
             </a:fld>
@@ -2127,7 +2127,7 @@
     </p:spTree>
     <p:extLst>
       <p:ext uri="{BB962C8B-B14F-4D97-AF65-F5344CB8AC3E}">
-        <p14:creationId xmlns:p14="http://schemas.microsoft.com/office/powerpoint/2010/main" val="743211772"/>
+        <p14:creationId xmlns:p14="http://schemas.microsoft.com/office/powerpoint/2010/main" val="742365139"/>
       </p:ext>
     </p:extLst>
   </p:cSld>
@@ -2159,7 +2159,7 @@
           <p:cNvPr id="2" name="标题 1">
             <a:extLst>
               <a:ext uri="{FF2B5EF4-FFF2-40B4-BE49-F238E27FC236}">
-                <a16:creationId xmlns:a16="http://schemas.microsoft.com/office/drawing/2014/main" id="{B99252AF-5FBA-6488-96C7-0287B3C25775}"/>
+                <a16:creationId xmlns:a16="http://schemas.microsoft.com/office/drawing/2014/main" id="{50C5EB31-E0EA-25C4-9719-BF7AA231CD25}"/>
               </a:ext>
             </a:extLst>
           </p:cNvPr>
@@ -2196,7 +2196,7 @@
           <p:cNvPr id="3" name="内容占位符 2">
             <a:extLst>
               <a:ext uri="{FF2B5EF4-FFF2-40B4-BE49-F238E27FC236}">
-                <a16:creationId xmlns:a16="http://schemas.microsoft.com/office/drawing/2014/main" id="{F604B5CB-D38F-2DA8-8D6E-169AAA2235EA}"/>
+                <a16:creationId xmlns:a16="http://schemas.microsoft.com/office/drawing/2014/main" id="{201851C7-12B9-6914-B632-C9596DC87246}"/>
               </a:ext>
             </a:extLst>
           </p:cNvPr>
@@ -2286,7 +2286,7 @@
           <p:cNvPr id="4" name="文本占位符 3">
             <a:extLst>
               <a:ext uri="{FF2B5EF4-FFF2-40B4-BE49-F238E27FC236}">
-                <a16:creationId xmlns:a16="http://schemas.microsoft.com/office/drawing/2014/main" id="{65F7387F-B0C0-7716-EEBE-49C847BF2C9F}"/>
+                <a16:creationId xmlns:a16="http://schemas.microsoft.com/office/drawing/2014/main" id="{BF8651FD-A0A3-0B43-65CA-FB516D635306}"/>
               </a:ext>
             </a:extLst>
           </p:cNvPr>
@@ -2357,7 +2357,7 @@
           <p:cNvPr id="5" name="日期占位符 4">
             <a:extLst>
               <a:ext uri="{FF2B5EF4-FFF2-40B4-BE49-F238E27FC236}">
-                <a16:creationId xmlns:a16="http://schemas.microsoft.com/office/drawing/2014/main" id="{AF4C6BFB-D55A-7FC8-890D-01C8659C8C9F}"/>
+                <a16:creationId xmlns:a16="http://schemas.microsoft.com/office/drawing/2014/main" id="{843121BA-0EEA-2E1F-398D-DF1D4EA46569}"/>
               </a:ext>
             </a:extLst>
           </p:cNvPr>
@@ -2373,7 +2373,7 @@
           <a:bodyPr/>
           <a:lstStyle/>
           <a:p>
-            <a:fld id="{75698AA1-35F2-4075-8783-1D7E4B6FD5FB}" type="datetimeFigureOut">
+            <a:fld id="{CA4D113B-4BA5-4A5A-8129-23349B9685FF}" type="datetimeFigureOut">
               <a:rPr lang="zh-CN" altLang="en-US" smtClean="0"/>
               <a:t>2024/3/10</a:t>
             </a:fld>
@@ -2386,7 +2386,7 @@
           <p:cNvPr id="6" name="页脚占位符 5">
             <a:extLst>
               <a:ext uri="{FF2B5EF4-FFF2-40B4-BE49-F238E27FC236}">
-                <a16:creationId xmlns:a16="http://schemas.microsoft.com/office/drawing/2014/main" id="{3E682BCE-8373-92F5-11FB-9787160C7ABE}"/>
+                <a16:creationId xmlns:a16="http://schemas.microsoft.com/office/drawing/2014/main" id="{37A33F77-DA32-A349-D225-21992661B0BF}"/>
               </a:ext>
             </a:extLst>
           </p:cNvPr>
@@ -2411,7 +2411,7 @@
           <p:cNvPr id="7" name="灯片编号占位符 6">
             <a:extLst>
               <a:ext uri="{FF2B5EF4-FFF2-40B4-BE49-F238E27FC236}">
-                <a16:creationId xmlns:a16="http://schemas.microsoft.com/office/drawing/2014/main" id="{3290BB95-1A69-5A75-77CD-042FB5799A67}"/>
+                <a16:creationId xmlns:a16="http://schemas.microsoft.com/office/drawing/2014/main" id="{BDCCFCDA-9BF9-5BE3-D63E-6AFA8E36A836}"/>
               </a:ext>
             </a:extLst>
           </p:cNvPr>
@@ -2427,7 +2427,7 @@
           <a:bodyPr/>
           <a:lstStyle/>
           <a:p>
-            <a:fld id="{CC0D6A8B-6F44-4B65-AE19-177B8B29C847}" type="slidenum">
+            <a:fld id="{45B3A8C7-7482-48DB-ABC2-FE93F3645FCF}" type="slidenum">
               <a:rPr lang="zh-CN" altLang="en-US" smtClean="0"/>
               <a:t>‹#›</a:t>
             </a:fld>
@@ -2438,7 +2438,7 @@
     </p:spTree>
     <p:extLst>
       <p:ext uri="{BB962C8B-B14F-4D97-AF65-F5344CB8AC3E}">
-        <p14:creationId xmlns:p14="http://schemas.microsoft.com/office/powerpoint/2010/main" val="3499534941"/>
+        <p14:creationId xmlns:p14="http://schemas.microsoft.com/office/powerpoint/2010/main" val="1225870918"/>
       </p:ext>
     </p:extLst>
   </p:cSld>
@@ -2470,7 +2470,7 @@
           <p:cNvPr id="2" name="标题 1">
             <a:extLst>
               <a:ext uri="{FF2B5EF4-FFF2-40B4-BE49-F238E27FC236}">
-                <a16:creationId xmlns:a16="http://schemas.microsoft.com/office/drawing/2014/main" id="{DBA409D3-C669-73D5-E672-CB8AE90DB350}"/>
+                <a16:creationId xmlns:a16="http://schemas.microsoft.com/office/drawing/2014/main" id="{DB91B147-3C90-E4E2-33F8-DC79ABDAC2F0}"/>
               </a:ext>
             </a:extLst>
           </p:cNvPr>
@@ -2507,7 +2507,7 @@
           <p:cNvPr id="3" name="图片占位符 2">
             <a:extLst>
               <a:ext uri="{FF2B5EF4-FFF2-40B4-BE49-F238E27FC236}">
-                <a16:creationId xmlns:a16="http://schemas.microsoft.com/office/drawing/2014/main" id="{FF27C94F-F645-4ACE-AD22-2D51626BA914}"/>
+                <a16:creationId xmlns:a16="http://schemas.microsoft.com/office/drawing/2014/main" id="{989C1E01-5DB9-2A2C-F3A8-61BEC03456A4}"/>
               </a:ext>
             </a:extLst>
           </p:cNvPr>
@@ -2574,7 +2574,7 @@
           <p:cNvPr id="4" name="文本占位符 3">
             <a:extLst>
               <a:ext uri="{FF2B5EF4-FFF2-40B4-BE49-F238E27FC236}">
-                <a16:creationId xmlns:a16="http://schemas.microsoft.com/office/drawing/2014/main" id="{38ECA88C-6853-C0BC-CA76-EDBCB0368182}"/>
+                <a16:creationId xmlns:a16="http://schemas.microsoft.com/office/drawing/2014/main" id="{007CB6C0-ECA0-F00C-D66D-93C42D02D8A3}"/>
               </a:ext>
             </a:extLst>
           </p:cNvPr>
@@ -2645,7 +2645,7 @@
           <p:cNvPr id="5" name="日期占位符 4">
             <a:extLst>
               <a:ext uri="{FF2B5EF4-FFF2-40B4-BE49-F238E27FC236}">
-                <a16:creationId xmlns:a16="http://schemas.microsoft.com/office/drawing/2014/main" id="{F9E18D46-8FF7-B12C-D4E0-E293F5882704}"/>
+                <a16:creationId xmlns:a16="http://schemas.microsoft.com/office/drawing/2014/main" id="{B13983F5-F07D-09AA-7297-38589F9FD15D}"/>
               </a:ext>
             </a:extLst>
           </p:cNvPr>
@@ -2661,7 +2661,7 @@
           <a:bodyPr/>
           <a:lstStyle/>
           <a:p>
-            <a:fld id="{75698AA1-35F2-4075-8783-1D7E4B6FD5FB}" type="datetimeFigureOut">
+            <a:fld id="{CA4D113B-4BA5-4A5A-8129-23349B9685FF}" type="datetimeFigureOut">
               <a:rPr lang="zh-CN" altLang="en-US" smtClean="0"/>
               <a:t>2024/3/10</a:t>
             </a:fld>
@@ -2674,7 +2674,7 @@
           <p:cNvPr id="6" name="页脚占位符 5">
             <a:extLst>
               <a:ext uri="{FF2B5EF4-FFF2-40B4-BE49-F238E27FC236}">
-                <a16:creationId xmlns:a16="http://schemas.microsoft.com/office/drawing/2014/main" id="{3FA7D6BD-33B9-E3B2-64DF-DAEE199D6D35}"/>
+                <a16:creationId xmlns:a16="http://schemas.microsoft.com/office/drawing/2014/main" id="{77D363A1-19ED-AA46-4FE6-1EE3E95F1C17}"/>
               </a:ext>
             </a:extLst>
           </p:cNvPr>
@@ -2699,7 +2699,7 @@
           <p:cNvPr id="7" name="灯片编号占位符 6">
             <a:extLst>
               <a:ext uri="{FF2B5EF4-FFF2-40B4-BE49-F238E27FC236}">
-                <a16:creationId xmlns:a16="http://schemas.microsoft.com/office/drawing/2014/main" id="{865F55AE-B273-3EE4-38D6-13036090187F}"/>
+                <a16:creationId xmlns:a16="http://schemas.microsoft.com/office/drawing/2014/main" id="{07F85B3E-A3E2-E636-420B-CE31C8F4F28B}"/>
               </a:ext>
             </a:extLst>
           </p:cNvPr>
@@ -2715,7 +2715,7 @@
           <a:bodyPr/>
           <a:lstStyle/>
           <a:p>
-            <a:fld id="{CC0D6A8B-6F44-4B65-AE19-177B8B29C847}" type="slidenum">
+            <a:fld id="{45B3A8C7-7482-48DB-ABC2-FE93F3645FCF}" type="slidenum">
               <a:rPr lang="zh-CN" altLang="en-US" smtClean="0"/>
               <a:t>‹#›</a:t>
             </a:fld>
@@ -2726,7 +2726,7 @@
     </p:spTree>
     <p:extLst>
       <p:ext uri="{BB962C8B-B14F-4D97-AF65-F5344CB8AC3E}">
-        <p14:creationId xmlns:p14="http://schemas.microsoft.com/office/powerpoint/2010/main" val="1603082434"/>
+        <p14:creationId xmlns:p14="http://schemas.microsoft.com/office/powerpoint/2010/main" val="2611031630"/>
       </p:ext>
     </p:extLst>
   </p:cSld>
@@ -2763,7 +2763,7 @@
           <p:cNvPr id="2" name="标题占位符 1">
             <a:extLst>
               <a:ext uri="{FF2B5EF4-FFF2-40B4-BE49-F238E27FC236}">
-                <a16:creationId xmlns:a16="http://schemas.microsoft.com/office/drawing/2014/main" id="{894788E5-69FC-64FA-E36D-3A4658CAD74B}"/>
+                <a16:creationId xmlns:a16="http://schemas.microsoft.com/office/drawing/2014/main" id="{B06ADB45-8863-6436-0845-21E682E99688}"/>
               </a:ext>
             </a:extLst>
           </p:cNvPr>
@@ -2801,7 +2801,7 @@
           <p:cNvPr id="3" name="文本占位符 2">
             <a:extLst>
               <a:ext uri="{FF2B5EF4-FFF2-40B4-BE49-F238E27FC236}">
-                <a16:creationId xmlns:a16="http://schemas.microsoft.com/office/drawing/2014/main" id="{1AE58E72-76CB-D493-AF3C-DFD8DD881E44}"/>
+                <a16:creationId xmlns:a16="http://schemas.microsoft.com/office/drawing/2014/main" id="{7BEB44AF-958A-5B29-6016-B6C50CB56B9C}"/>
               </a:ext>
             </a:extLst>
           </p:cNvPr>
@@ -2868,7 +2868,7 @@
           <p:cNvPr id="4" name="日期占位符 3">
             <a:extLst>
               <a:ext uri="{FF2B5EF4-FFF2-40B4-BE49-F238E27FC236}">
-                <a16:creationId xmlns:a16="http://schemas.microsoft.com/office/drawing/2014/main" id="{0059DCAD-74EA-FD2D-9C76-9FC8572B430C}"/>
+                <a16:creationId xmlns:a16="http://schemas.microsoft.com/office/drawing/2014/main" id="{3BA8F090-C575-7DB9-DF86-360169134654}"/>
               </a:ext>
             </a:extLst>
           </p:cNvPr>
@@ -2902,7 +2902,7 @@
             </a:lvl1pPr>
           </a:lstStyle>
           <a:p>
-            <a:fld id="{75698AA1-35F2-4075-8783-1D7E4B6FD5FB}" type="datetimeFigureOut">
+            <a:fld id="{CA4D113B-4BA5-4A5A-8129-23349B9685FF}" type="datetimeFigureOut">
               <a:rPr lang="zh-CN" altLang="en-US" smtClean="0"/>
               <a:t>2024/3/10</a:t>
             </a:fld>
@@ -2915,7 +2915,7 @@
           <p:cNvPr id="5" name="页脚占位符 4">
             <a:extLst>
               <a:ext uri="{FF2B5EF4-FFF2-40B4-BE49-F238E27FC236}">
-                <a16:creationId xmlns:a16="http://schemas.microsoft.com/office/drawing/2014/main" id="{10C49406-3745-0B23-3DF9-99FE90E327F6}"/>
+                <a16:creationId xmlns:a16="http://schemas.microsoft.com/office/drawing/2014/main" id="{928A389E-FF96-CD15-4A98-0DF84DBC181C}"/>
               </a:ext>
             </a:extLst>
           </p:cNvPr>
@@ -2958,7 +2958,7 @@
           <p:cNvPr id="6" name="灯片编号占位符 5">
             <a:extLst>
               <a:ext uri="{FF2B5EF4-FFF2-40B4-BE49-F238E27FC236}">
-                <a16:creationId xmlns:a16="http://schemas.microsoft.com/office/drawing/2014/main" id="{C534A621-CC04-DC70-9839-6BF50689A554}"/>
+                <a16:creationId xmlns:a16="http://schemas.microsoft.com/office/drawing/2014/main" id="{47B3E26A-23EA-E3B8-F360-49023666B034}"/>
               </a:ext>
             </a:extLst>
           </p:cNvPr>
@@ -2992,7 +2992,7 @@
             </a:lvl1pPr>
           </a:lstStyle>
           <a:p>
-            <a:fld id="{CC0D6A8B-6F44-4B65-AE19-177B8B29C847}" type="slidenum">
+            <a:fld id="{45B3A8C7-7482-48DB-ABC2-FE93F3645FCF}" type="slidenum">
               <a:rPr lang="zh-CN" altLang="en-US" smtClean="0"/>
               <a:t>‹#›</a:t>
             </a:fld>
@@ -3003,7 +3003,7 @@
     </p:spTree>
     <p:extLst>
       <p:ext uri="{BB962C8B-B14F-4D97-AF65-F5344CB8AC3E}">
-        <p14:creationId xmlns:p14="http://schemas.microsoft.com/office/powerpoint/2010/main" val="1667973286"/>
+        <p14:creationId xmlns:p14="http://schemas.microsoft.com/office/powerpoint/2010/main" val="2729294146"/>
       </p:ext>
     </p:extLst>
   </p:cSld>
